--- a/9 - Audit af software.pptx
+++ b/9 - Audit af software.pptx
@@ -9,6 +9,9 @@
     <p:sldId id="260" r:id="rId3"/>
     <p:sldId id="262" r:id="rId4"/>
     <p:sldId id="263" r:id="rId5"/>
+    <p:sldId id="265" r:id="rId6"/>
+    <p:sldId id="264" r:id="rId7"/>
+    <p:sldId id="266" r:id="rId8"/>
   </p:sldIdLst>
   <p:sldSz cx="12192000" cy="6858000"/>
   <p:notesSz cx="6858000" cy="9144000"/>
@@ -246,7 +249,7 @@
           <a:p>
             <a:fld id="{2D7FE219-F25D-49CA-BAF6-41155C8B64D3}" type="datetimeFigureOut">
               <a:rPr lang="en-US" smtClean="0"/>
-              <a:t>10/24/2021</a:t>
+              <a:t>10/25/2021</a:t>
             </a:fld>
             <a:endParaRPr lang="en-US"/>
           </a:p>
@@ -416,7 +419,7 @@
           <a:p>
             <a:fld id="{2D7FE219-F25D-49CA-BAF6-41155C8B64D3}" type="datetimeFigureOut">
               <a:rPr lang="en-US" smtClean="0"/>
-              <a:t>10/24/2021</a:t>
+              <a:t>10/25/2021</a:t>
             </a:fld>
             <a:endParaRPr lang="en-US"/>
           </a:p>
@@ -596,7 +599,7 @@
           <a:p>
             <a:fld id="{2D7FE219-F25D-49CA-BAF6-41155C8B64D3}" type="datetimeFigureOut">
               <a:rPr lang="en-US" smtClean="0"/>
-              <a:t>10/24/2021</a:t>
+              <a:t>10/25/2021</a:t>
             </a:fld>
             <a:endParaRPr lang="en-US"/>
           </a:p>
@@ -766,7 +769,7 @@
           <a:p>
             <a:fld id="{2D7FE219-F25D-49CA-BAF6-41155C8B64D3}" type="datetimeFigureOut">
               <a:rPr lang="en-US" smtClean="0"/>
-              <a:t>10/24/2021</a:t>
+              <a:t>10/25/2021</a:t>
             </a:fld>
             <a:endParaRPr lang="en-US"/>
           </a:p>
@@ -1012,7 +1015,7 @@
           <a:p>
             <a:fld id="{2D7FE219-F25D-49CA-BAF6-41155C8B64D3}" type="datetimeFigureOut">
               <a:rPr lang="en-US" smtClean="0"/>
-              <a:t>10/24/2021</a:t>
+              <a:t>10/25/2021</a:t>
             </a:fld>
             <a:endParaRPr lang="en-US"/>
           </a:p>
@@ -1244,7 +1247,7 @@
           <a:p>
             <a:fld id="{2D7FE219-F25D-49CA-BAF6-41155C8B64D3}" type="datetimeFigureOut">
               <a:rPr lang="en-US" smtClean="0"/>
-              <a:t>10/24/2021</a:t>
+              <a:t>10/25/2021</a:t>
             </a:fld>
             <a:endParaRPr lang="en-US"/>
           </a:p>
@@ -1611,7 +1614,7 @@
           <a:p>
             <a:fld id="{2D7FE219-F25D-49CA-BAF6-41155C8B64D3}" type="datetimeFigureOut">
               <a:rPr lang="en-US" smtClean="0"/>
-              <a:t>10/24/2021</a:t>
+              <a:t>10/25/2021</a:t>
             </a:fld>
             <a:endParaRPr lang="en-US"/>
           </a:p>
@@ -1729,7 +1732,7 @@
           <a:p>
             <a:fld id="{2D7FE219-F25D-49CA-BAF6-41155C8B64D3}" type="datetimeFigureOut">
               <a:rPr lang="en-US" smtClean="0"/>
-              <a:t>10/24/2021</a:t>
+              <a:t>10/25/2021</a:t>
             </a:fld>
             <a:endParaRPr lang="en-US"/>
           </a:p>
@@ -1824,7 +1827,7 @@
           <a:p>
             <a:fld id="{2D7FE219-F25D-49CA-BAF6-41155C8B64D3}" type="datetimeFigureOut">
               <a:rPr lang="en-US" smtClean="0"/>
-              <a:t>10/24/2021</a:t>
+              <a:t>10/25/2021</a:t>
             </a:fld>
             <a:endParaRPr lang="en-US"/>
           </a:p>
@@ -2101,7 +2104,7 @@
           <a:p>
             <a:fld id="{2D7FE219-F25D-49CA-BAF6-41155C8B64D3}" type="datetimeFigureOut">
               <a:rPr lang="en-US" smtClean="0"/>
-              <a:t>10/24/2021</a:t>
+              <a:t>10/25/2021</a:t>
             </a:fld>
             <a:endParaRPr lang="en-US"/>
           </a:p>
@@ -2354,7 +2357,7 @@
           <a:p>
             <a:fld id="{2D7FE219-F25D-49CA-BAF6-41155C8B64D3}" type="datetimeFigureOut">
               <a:rPr lang="en-US" smtClean="0"/>
-              <a:t>10/24/2021</a:t>
+              <a:t>10/25/2021</a:t>
             </a:fld>
             <a:endParaRPr lang="en-US"/>
           </a:p>
@@ -2567,7 +2570,7 @@
           <a:p>
             <a:fld id="{2D7FE219-F25D-49CA-BAF6-41155C8B64D3}" type="datetimeFigureOut">
               <a:rPr lang="en-US" smtClean="0"/>
-              <a:t>10/24/2021</a:t>
+              <a:t>10/25/2021</a:t>
             </a:fld>
             <a:endParaRPr lang="en-US"/>
           </a:p>
@@ -3375,7 +3378,11 @@
             </a:r>
             <a:r>
               <a:rPr lang="en-GB" dirty="0" smtClean="0"/>
-              <a:t> $1.2B</a:t>
+              <a:t> </a:t>
+            </a:r>
+            <a:r>
+              <a:rPr lang="en-GB" dirty="0" smtClean="0"/>
+              <a:t>$1.2B</a:t>
             </a:r>
           </a:p>
           <a:p>
@@ -3879,14 +3886,19 @@
             <a:pPr lvl="1"/>
             <a:r>
               <a:rPr lang="en-GB" dirty="0" smtClean="0"/>
-              <a:t>Patching</a:t>
-            </a:r>
+              <a:t>Unpatched software</a:t>
+            </a:r>
+            <a:endParaRPr lang="en-GB" dirty="0" smtClean="0"/>
           </a:p>
           <a:p>
             <a:pPr lvl="1"/>
             <a:r>
-              <a:rPr lang="en-GB" dirty="0" err="1" smtClean="0"/>
-              <a:t>Udfasning</a:t>
+              <a:rPr lang="en-GB" dirty="0" smtClean="0"/>
+              <a:t>Legacy </a:t>
+            </a:r>
+            <a:r>
+              <a:rPr lang="en-GB" dirty="0" err="1" smtClean="0"/>
+              <a:t>systemer</a:t>
             </a:r>
             <a:endParaRPr lang="en-GB" dirty="0" smtClean="0"/>
           </a:p>
@@ -3960,7 +3972,15 @@
           <a:bodyPr/>
           <a:lstStyle/>
           <a:p>
-            <a:endParaRPr lang="en-US"/>
+            <a:r>
+              <a:rPr lang="en-GB" dirty="0" smtClean="0">
+                <a:latin typeface="Bahnschrift Light" panose="020B0502040204020203" pitchFamily="34" charset="0"/>
+              </a:rPr>
+              <a:t>Patching</a:t>
+            </a:r>
+            <a:endParaRPr lang="en-US" dirty="0">
+              <a:latin typeface="Bahnschrift Light" panose="020B0502040204020203" pitchFamily="34" charset="0"/>
+            </a:endParaRPr>
           </a:p>
         </p:txBody>
       </p:sp>
@@ -3979,7 +3999,121 @@
           <a:bodyPr/>
           <a:lstStyle/>
           <a:p>
-            <a:endParaRPr lang="en-US"/>
+            <a:r>
+              <a:rPr lang="en-GB" dirty="0" err="1" smtClean="0"/>
+              <a:t>Er</a:t>
+            </a:r>
+            <a:r>
+              <a:rPr lang="en-GB" dirty="0" smtClean="0"/>
+              <a:t> </a:t>
+            </a:r>
+            <a:r>
+              <a:rPr lang="en-GB" dirty="0" err="1" smtClean="0"/>
+              <a:t>det</a:t>
+            </a:r>
+            <a:r>
+              <a:rPr lang="en-GB" dirty="0" smtClean="0"/>
+              <a:t> </a:t>
+            </a:r>
+            <a:r>
+              <a:rPr lang="en-GB" dirty="0" err="1" smtClean="0"/>
+              <a:t>altid</a:t>
+            </a:r>
+            <a:r>
+              <a:rPr lang="en-GB" dirty="0" smtClean="0"/>
+              <a:t> </a:t>
+            </a:r>
+            <a:r>
+              <a:rPr lang="en-GB" dirty="0" err="1" smtClean="0"/>
+              <a:t>korrekt</a:t>
+            </a:r>
+            <a:r>
+              <a:rPr lang="en-GB" dirty="0" smtClean="0"/>
+              <a:t> at </a:t>
+            </a:r>
+            <a:r>
+              <a:rPr lang="en-GB" dirty="0" err="1" smtClean="0"/>
+              <a:t>patche</a:t>
+            </a:r>
+            <a:r>
+              <a:rPr lang="en-GB" dirty="0" smtClean="0"/>
+              <a:t>?</a:t>
+            </a:r>
+          </a:p>
+          <a:p>
+            <a:r>
+              <a:rPr lang="en-GB" dirty="0" smtClean="0"/>
+              <a:t>Spectre </a:t>
+            </a:r>
+            <a:r>
+              <a:rPr lang="en-GB" dirty="0" err="1" smtClean="0"/>
+              <a:t>og</a:t>
+            </a:r>
+            <a:r>
+              <a:rPr lang="en-GB" dirty="0" smtClean="0"/>
+              <a:t> </a:t>
+            </a:r>
+            <a:r>
+              <a:rPr lang="en-GB" dirty="0" err="1" smtClean="0"/>
+              <a:t>Heartbleed</a:t>
+            </a:r>
+            <a:endParaRPr lang="en-GB" dirty="0" smtClean="0"/>
+          </a:p>
+          <a:p>
+            <a:r>
+              <a:rPr lang="en-GB" dirty="0" smtClean="0"/>
+              <a:t>Feature patches</a:t>
+            </a:r>
+          </a:p>
+          <a:p>
+            <a:r>
+              <a:rPr lang="en-GB" dirty="0" smtClean="0"/>
+              <a:t>Patch </a:t>
+            </a:r>
+            <a:r>
+              <a:rPr lang="en-GB" dirty="0" err="1" smtClean="0"/>
+              <a:t>modenhed</a:t>
+            </a:r>
+            <a:r>
+              <a:rPr lang="en-GB" dirty="0" smtClean="0"/>
+              <a:t> </a:t>
+            </a:r>
+            <a:r>
+              <a:rPr lang="en-GB" dirty="0" err="1" smtClean="0"/>
+              <a:t>og</a:t>
+            </a:r>
+            <a:r>
+              <a:rPr lang="en-GB" dirty="0" smtClean="0"/>
+              <a:t> </a:t>
+            </a:r>
+            <a:r>
+              <a:rPr lang="en-GB" dirty="0" err="1" smtClean="0"/>
+              <a:t>virksomhed</a:t>
+            </a:r>
+            <a:r>
+              <a:rPr lang="en-GB" dirty="0"/>
+              <a:t> </a:t>
+            </a:r>
+            <a:r>
+              <a:rPr lang="en-GB" dirty="0" err="1" smtClean="0"/>
+              <a:t>modenhed</a:t>
+            </a:r>
+            <a:endParaRPr lang="en-GB" dirty="0" smtClean="0"/>
+          </a:p>
+          <a:p>
+            <a:r>
+              <a:rPr lang="en-GB" dirty="0" err="1" smtClean="0"/>
+              <a:t>Sikkerhed</a:t>
+            </a:r>
+            <a:r>
+              <a:rPr lang="en-GB" dirty="0" smtClean="0"/>
+              <a:t> versus </a:t>
+            </a:r>
+            <a:r>
+              <a:rPr lang="en-GB" dirty="0" err="1" smtClean="0"/>
+              <a:t>funktionalitet</a:t>
+            </a:r>
+            <a:endParaRPr lang="en-US" dirty="0"/>
           </a:p>
         </p:txBody>
       </p:sp>
@@ -3987,6 +4121,641 @@
     <p:extLst>
       <p:ext uri="{BB962C8B-B14F-4D97-AF65-F5344CB8AC3E}">
         <p14:creationId xmlns:p14="http://schemas.microsoft.com/office/powerpoint/2010/main" val="2030177559"/>
+      </p:ext>
+    </p:extLst>
+  </p:cSld>
+  <p:clrMapOvr>
+    <a:masterClrMapping/>
+  </p:clrMapOvr>
+</p:sld>
+</file>
+
+<file path=ppt/slides/slide5.xml><?xml version="1.0" encoding="utf-8"?>
+<p:sld xmlns:a="http://schemas.openxmlformats.org/drawingml/2006/main" xmlns:r="http://schemas.openxmlformats.org/officeDocument/2006/relationships" xmlns:p="http://schemas.openxmlformats.org/presentationml/2006/main">
+  <p:cSld>
+    <p:spTree>
+      <p:nvGrpSpPr>
+        <p:cNvPr id="1" name=""/>
+        <p:cNvGrpSpPr/>
+        <p:nvPr/>
+      </p:nvGrpSpPr>
+      <p:grpSpPr>
+        <a:xfrm>
+          <a:off x="0" y="0"/>
+          <a:ext cx="0" cy="0"/>
+          <a:chOff x="0" y="0"/>
+          <a:chExt cx="0" cy="0"/>
+        </a:xfrm>
+      </p:grpSpPr>
+      <p:sp>
+        <p:nvSpPr>
+          <p:cNvPr id="2" name="Title 1"/>
+          <p:cNvSpPr>
+            <a:spLocks noGrp="1"/>
+          </p:cNvSpPr>
+          <p:nvPr>
+            <p:ph type="title"/>
+          </p:nvPr>
+        </p:nvSpPr>
+        <p:spPr/>
+        <p:txBody>
+          <a:bodyPr/>
+          <a:lstStyle/>
+          <a:p>
+            <a:r>
+              <a:rPr lang="en-GB" dirty="0" smtClean="0">
+                <a:latin typeface="Bahnschrift Light" panose="020B0502040204020203" pitchFamily="34" charset="0"/>
+              </a:rPr>
+              <a:t>Access Control</a:t>
+            </a:r>
+            <a:endParaRPr lang="en-US" dirty="0">
+              <a:latin typeface="Bahnschrift Light" panose="020B0502040204020203" pitchFamily="34" charset="0"/>
+            </a:endParaRPr>
+          </a:p>
+        </p:txBody>
+      </p:sp>
+      <p:sp>
+        <p:nvSpPr>
+          <p:cNvPr id="3" name="Content Placeholder 2"/>
+          <p:cNvSpPr>
+            <a:spLocks noGrp="1"/>
+          </p:cNvSpPr>
+          <p:nvPr>
+            <p:ph idx="1"/>
+          </p:nvPr>
+        </p:nvSpPr>
+        <p:spPr/>
+        <p:txBody>
+          <a:bodyPr>
+            <a:normAutofit fontScale="92500" lnSpcReduction="10000"/>
+          </a:bodyPr>
+          <a:lstStyle/>
+          <a:p>
+            <a:r>
+              <a:rPr lang="en-GB" dirty="0" err="1" smtClean="0"/>
+              <a:t>Hovedelementerne</a:t>
+            </a:r>
+            <a:r>
+              <a:rPr lang="en-GB" dirty="0" smtClean="0"/>
+              <a:t> </a:t>
+            </a:r>
+            <a:r>
+              <a:rPr lang="en-GB" dirty="0" err="1" smtClean="0"/>
+              <a:t>af</a:t>
+            </a:r>
+            <a:r>
+              <a:rPr lang="en-GB" dirty="0" smtClean="0"/>
+              <a:t> Access Control</a:t>
+            </a:r>
+            <a:endParaRPr lang="en-GB" dirty="0"/>
+          </a:p>
+          <a:p>
+            <a:r>
+              <a:rPr lang="en-GB" dirty="0" smtClean="0"/>
+              <a:t>Discretionary Access Control (DAC)</a:t>
+            </a:r>
+          </a:p>
+          <a:p>
+            <a:pPr lvl="1"/>
+            <a:r>
+              <a:rPr lang="en-GB" dirty="0" err="1" smtClean="0"/>
+              <a:t>Adgang</a:t>
+            </a:r>
+            <a:r>
+              <a:rPr lang="en-GB" dirty="0" smtClean="0"/>
+              <a:t> </a:t>
+            </a:r>
+            <a:r>
+              <a:rPr lang="en-GB" dirty="0" err="1" smtClean="0"/>
+              <a:t>styres</a:t>
+            </a:r>
+            <a:r>
+              <a:rPr lang="en-GB" dirty="0" smtClean="0"/>
+              <a:t> </a:t>
+            </a:r>
+            <a:r>
+              <a:rPr lang="en-GB" dirty="0" err="1" smtClean="0"/>
+              <a:t>af</a:t>
+            </a:r>
+            <a:r>
+              <a:rPr lang="en-GB" dirty="0" smtClean="0"/>
+              <a:t> administrator</a:t>
+            </a:r>
+          </a:p>
+          <a:p>
+            <a:r>
+              <a:rPr lang="en-GB" dirty="0" smtClean="0"/>
+              <a:t>Mandatory Access Control (MAC)</a:t>
+            </a:r>
+          </a:p>
+          <a:p>
+            <a:pPr lvl="1"/>
+            <a:r>
+              <a:rPr lang="en-GB" dirty="0" err="1" smtClean="0"/>
+              <a:t>Adgang</a:t>
+            </a:r>
+            <a:r>
+              <a:rPr lang="en-GB" dirty="0" smtClean="0"/>
+              <a:t> gives </a:t>
+            </a:r>
+            <a:r>
+              <a:rPr lang="en-GB" dirty="0" err="1" smtClean="0"/>
+              <a:t>baseret</a:t>
+            </a:r>
+            <a:r>
+              <a:rPr lang="en-GB" dirty="0" smtClean="0"/>
+              <a:t> </a:t>
+            </a:r>
+            <a:r>
+              <a:rPr lang="en-GB" dirty="0" err="1" smtClean="0"/>
+              <a:t>på</a:t>
+            </a:r>
+            <a:r>
+              <a:rPr lang="en-GB" dirty="0" smtClean="0"/>
+              <a:t> burger </a:t>
+            </a:r>
+            <a:r>
+              <a:rPr lang="en-GB" dirty="0" err="1" smtClean="0"/>
+              <a:t>eller</a:t>
+            </a:r>
+            <a:r>
+              <a:rPr lang="en-GB" dirty="0" smtClean="0"/>
+              <a:t> </a:t>
+            </a:r>
+            <a:r>
+              <a:rPr lang="en-GB" dirty="0" err="1" smtClean="0"/>
+              <a:t>enheds</a:t>
+            </a:r>
+            <a:r>
+              <a:rPr lang="en-GB" dirty="0" smtClean="0"/>
+              <a:t> </a:t>
+            </a:r>
+            <a:r>
+              <a:rPr lang="en-GB" dirty="0" err="1" smtClean="0"/>
+              <a:t>niveau</a:t>
+            </a:r>
+            <a:endParaRPr lang="en-GB" dirty="0" smtClean="0"/>
+          </a:p>
+          <a:p>
+            <a:r>
+              <a:rPr lang="en-GB" dirty="0" smtClean="0"/>
+              <a:t>Attribute-based Access Control (ABAC)</a:t>
+            </a:r>
+          </a:p>
+          <a:p>
+            <a:pPr lvl="1"/>
+            <a:r>
+              <a:rPr lang="en-GB" dirty="0" err="1" smtClean="0"/>
+              <a:t>Adgang</a:t>
+            </a:r>
+            <a:r>
+              <a:rPr lang="en-GB" dirty="0" smtClean="0"/>
+              <a:t> gives </a:t>
+            </a:r>
+            <a:r>
+              <a:rPr lang="en-GB" dirty="0" err="1" smtClean="0"/>
+              <a:t>baseret</a:t>
+            </a:r>
+            <a:r>
+              <a:rPr lang="en-GB" dirty="0" smtClean="0"/>
+              <a:t> </a:t>
+            </a:r>
+            <a:r>
+              <a:rPr lang="en-GB" dirty="0" err="1" smtClean="0"/>
+              <a:t>på</a:t>
+            </a:r>
+            <a:r>
+              <a:rPr lang="en-GB" dirty="0" smtClean="0"/>
+              <a:t> </a:t>
+            </a:r>
+            <a:r>
+              <a:rPr lang="en-GB" dirty="0" err="1" smtClean="0"/>
+              <a:t>attributter</a:t>
+            </a:r>
+            <a:endParaRPr lang="en-GB" dirty="0" smtClean="0"/>
+          </a:p>
+          <a:p>
+            <a:r>
+              <a:rPr lang="en-GB" dirty="0" smtClean="0"/>
+              <a:t>Role-based Access Control (RBAC)</a:t>
+            </a:r>
+          </a:p>
+          <a:p>
+            <a:pPr lvl="1"/>
+            <a:r>
+              <a:rPr lang="en-GB" dirty="0" err="1" smtClean="0"/>
+              <a:t>Adgang</a:t>
+            </a:r>
+            <a:r>
+              <a:rPr lang="en-GB" dirty="0" smtClean="0"/>
+              <a:t> gives </a:t>
+            </a:r>
+            <a:r>
+              <a:rPr lang="en-GB" dirty="0" err="1" smtClean="0"/>
+              <a:t>baseret</a:t>
+            </a:r>
+            <a:r>
+              <a:rPr lang="en-GB" dirty="0" smtClean="0"/>
+              <a:t> </a:t>
+            </a:r>
+            <a:r>
+              <a:rPr lang="en-GB" dirty="0" err="1" smtClean="0"/>
+              <a:t>på</a:t>
+            </a:r>
+            <a:r>
+              <a:rPr lang="en-GB" dirty="0" smtClean="0"/>
+              <a:t> roller</a:t>
+            </a:r>
+          </a:p>
+          <a:p>
+            <a:r>
+              <a:rPr lang="en-GB" dirty="0" smtClean="0"/>
+              <a:t>Rule-based Access Control</a:t>
+            </a:r>
+          </a:p>
+          <a:p>
+            <a:pPr lvl="1"/>
+            <a:r>
+              <a:rPr lang="en-GB" dirty="0" err="1" smtClean="0"/>
+              <a:t>Adgang</a:t>
+            </a:r>
+            <a:r>
+              <a:rPr lang="en-GB" dirty="0" smtClean="0"/>
+              <a:t> gives </a:t>
+            </a:r>
+            <a:r>
+              <a:rPr lang="en-GB" dirty="0" err="1" smtClean="0"/>
+              <a:t>baseret</a:t>
+            </a:r>
+            <a:r>
+              <a:rPr lang="en-GB" dirty="0" smtClean="0"/>
+              <a:t> </a:t>
+            </a:r>
+            <a:r>
+              <a:rPr lang="en-GB" dirty="0" err="1" smtClean="0"/>
+              <a:t>på</a:t>
+            </a:r>
+            <a:r>
+              <a:rPr lang="en-GB" dirty="0" smtClean="0"/>
+              <a:t> </a:t>
+            </a:r>
+            <a:r>
+              <a:rPr lang="en-GB" dirty="0" err="1" smtClean="0"/>
+              <a:t>regler</a:t>
+            </a:r>
+            <a:r>
+              <a:rPr lang="en-GB" dirty="0" smtClean="0"/>
+              <a:t> (</a:t>
+            </a:r>
+            <a:r>
+              <a:rPr lang="en-GB" dirty="0" err="1" smtClean="0"/>
+              <a:t>tid</a:t>
+            </a:r>
+            <a:r>
+              <a:rPr lang="en-GB" dirty="0" smtClean="0"/>
+              <a:t> </a:t>
+            </a:r>
+            <a:r>
+              <a:rPr lang="en-GB" dirty="0" err="1" smtClean="0"/>
+              <a:t>og</a:t>
+            </a:r>
+            <a:r>
+              <a:rPr lang="en-GB" dirty="0" smtClean="0"/>
+              <a:t> </a:t>
+            </a:r>
+            <a:r>
+              <a:rPr lang="en-GB" dirty="0" err="1" smtClean="0"/>
+              <a:t>sted</a:t>
+            </a:r>
+            <a:r>
+              <a:rPr lang="en-GB" dirty="0" smtClean="0"/>
+              <a:t>)</a:t>
+            </a:r>
+            <a:endParaRPr lang="en-US" dirty="0"/>
+          </a:p>
+        </p:txBody>
+      </p:sp>
+      <p:pic>
+        <p:nvPicPr>
+          <p:cNvPr id="4" name="Picture 3"/>
+          <p:cNvPicPr>
+            <a:picLocks noChangeAspect="1"/>
+          </p:cNvPicPr>
+          <p:nvPr/>
+        </p:nvPicPr>
+        <p:blipFill>
+          <a:blip r:embed="rId2"/>
+          <a:stretch>
+            <a:fillRect/>
+          </a:stretch>
+        </p:blipFill>
+        <p:spPr>
+          <a:xfrm>
+            <a:off x="8989540" y="1690688"/>
+            <a:ext cx="1857634" cy="4143953"/>
+          </a:xfrm>
+          <a:prstGeom prst="rect">
+            <a:avLst/>
+          </a:prstGeom>
+        </p:spPr>
+      </p:pic>
+    </p:spTree>
+    <p:extLst>
+      <p:ext uri="{BB962C8B-B14F-4D97-AF65-F5344CB8AC3E}">
+        <p14:creationId xmlns:p14="http://schemas.microsoft.com/office/powerpoint/2010/main" val="603620248"/>
+      </p:ext>
+    </p:extLst>
+  </p:cSld>
+  <p:clrMapOvr>
+    <a:masterClrMapping/>
+  </p:clrMapOvr>
+</p:sld>
+</file>
+
+<file path=ppt/slides/slide6.xml><?xml version="1.0" encoding="utf-8"?>
+<p:sld xmlns:a="http://schemas.openxmlformats.org/drawingml/2006/main" xmlns:r="http://schemas.openxmlformats.org/officeDocument/2006/relationships" xmlns:p="http://schemas.openxmlformats.org/presentationml/2006/main">
+  <p:cSld>
+    <p:spTree>
+      <p:nvGrpSpPr>
+        <p:cNvPr id="1" name=""/>
+        <p:cNvGrpSpPr/>
+        <p:nvPr/>
+      </p:nvGrpSpPr>
+      <p:grpSpPr>
+        <a:xfrm>
+          <a:off x="0" y="0"/>
+          <a:ext cx="0" cy="0"/>
+          <a:chOff x="0" y="0"/>
+          <a:chExt cx="0" cy="0"/>
+        </a:xfrm>
+      </p:grpSpPr>
+      <p:sp>
+        <p:nvSpPr>
+          <p:cNvPr id="2" name="Title 1"/>
+          <p:cNvSpPr>
+            <a:spLocks noGrp="1"/>
+          </p:cNvSpPr>
+          <p:nvPr>
+            <p:ph type="title"/>
+          </p:nvPr>
+        </p:nvSpPr>
+        <p:spPr/>
+        <p:txBody>
+          <a:bodyPr/>
+          <a:lstStyle/>
+          <a:p>
+            <a:r>
+              <a:rPr lang="en-GB" dirty="0" smtClean="0">
+                <a:latin typeface="Bahnschrift Light" panose="020B0502040204020203" pitchFamily="34" charset="0"/>
+              </a:rPr>
+              <a:t>Security is a process</a:t>
+            </a:r>
+            <a:br>
+              <a:rPr lang="en-GB" dirty="0" smtClean="0">
+                <a:latin typeface="Bahnschrift Light" panose="020B0502040204020203" pitchFamily="34" charset="0"/>
+              </a:rPr>
+            </a:br>
+            <a:r>
+              <a:rPr lang="en-GB" sz="1400" dirty="0">
+                <a:latin typeface="Bahnschrift Light" panose="020B0502040204020203" pitchFamily="34" charset="0"/>
+              </a:rPr>
+              <a:t> 	</a:t>
+            </a:r>
+            <a:r>
+              <a:rPr lang="en-GB" sz="1400" i="1" dirty="0" smtClean="0">
+                <a:latin typeface="Bahnschrift Light" panose="020B0502040204020203" pitchFamily="34" charset="0"/>
+              </a:rPr>
+              <a:t>- Bruce </a:t>
+            </a:r>
+            <a:r>
+              <a:rPr lang="en-GB" sz="1400" i="1" dirty="0" err="1" smtClean="0">
+                <a:latin typeface="Bahnschrift Light" panose="020B0502040204020203" pitchFamily="34" charset="0"/>
+              </a:rPr>
+              <a:t>Schneier</a:t>
+            </a:r>
+            <a:endParaRPr lang="en-US" dirty="0">
+              <a:latin typeface="Bahnschrift Light" panose="020B0502040204020203" pitchFamily="34" charset="0"/>
+            </a:endParaRPr>
+          </a:p>
+        </p:txBody>
+      </p:sp>
+      <p:sp>
+        <p:nvSpPr>
+          <p:cNvPr id="3" name="Content Placeholder 2"/>
+          <p:cNvSpPr>
+            <a:spLocks noGrp="1"/>
+          </p:cNvSpPr>
+          <p:nvPr>
+            <p:ph idx="1"/>
+          </p:nvPr>
+        </p:nvSpPr>
+        <p:spPr/>
+        <p:txBody>
+          <a:bodyPr/>
+          <a:lstStyle/>
+          <a:p>
+            <a:r>
+              <a:rPr lang="en-GB" dirty="0" smtClean="0"/>
+              <a:t>… not a product</a:t>
+            </a:r>
+          </a:p>
+          <a:p>
+            <a:r>
+              <a:rPr lang="en-GB" dirty="0" smtClean="0"/>
+              <a:t>Processer </a:t>
+            </a:r>
+            <a:r>
+              <a:rPr lang="en-GB" dirty="0" err="1" smtClean="0"/>
+              <a:t>og</a:t>
+            </a:r>
+            <a:r>
+              <a:rPr lang="en-GB" dirty="0" smtClean="0"/>
+              <a:t> </a:t>
+            </a:r>
+            <a:r>
+              <a:rPr lang="en-GB" dirty="0" err="1" smtClean="0"/>
+              <a:t>procedurer</a:t>
+            </a:r>
+            <a:endParaRPr lang="en-GB" dirty="0" smtClean="0"/>
+          </a:p>
+          <a:p>
+            <a:pPr lvl="1"/>
+            <a:r>
+              <a:rPr lang="en-GB" dirty="0" smtClean="0"/>
+              <a:t>Vulnerabilities</a:t>
+            </a:r>
+          </a:p>
+          <a:p>
+            <a:pPr lvl="1"/>
+            <a:r>
+              <a:rPr lang="en-GB" dirty="0" err="1" smtClean="0"/>
+              <a:t>Dokumentation</a:t>
+            </a:r>
+            <a:endParaRPr lang="en-GB" dirty="0" smtClean="0"/>
+          </a:p>
+          <a:p>
+            <a:r>
+              <a:rPr lang="en-GB" dirty="0" err="1" smtClean="0"/>
+              <a:t>Det</a:t>
+            </a:r>
+            <a:r>
+              <a:rPr lang="en-GB" dirty="0" smtClean="0"/>
+              <a:t> </a:t>
+            </a:r>
+            <a:r>
+              <a:rPr lang="en-GB" dirty="0" err="1" smtClean="0"/>
+              <a:t>menneskelige</a:t>
+            </a:r>
+            <a:r>
+              <a:rPr lang="en-GB" dirty="0" smtClean="0"/>
+              <a:t> element</a:t>
+            </a:r>
+          </a:p>
+          <a:p>
+            <a:endParaRPr lang="en-US" dirty="0"/>
+          </a:p>
+        </p:txBody>
+      </p:sp>
+      <p:pic>
+        <p:nvPicPr>
+          <p:cNvPr id="6" name="Picture 5"/>
+          <p:cNvPicPr>
+            <a:picLocks noChangeAspect="1"/>
+          </p:cNvPicPr>
+          <p:nvPr/>
+        </p:nvPicPr>
+        <p:blipFill>
+          <a:blip r:embed="rId2">
+            <a:extLst>
+              <a:ext uri="{28A0092B-C50C-407E-A947-70E740481C1C}">
+                <a14:useLocalDpi xmlns:a14="http://schemas.microsoft.com/office/drawing/2010/main" val="0"/>
+              </a:ext>
+            </a:extLst>
+          </a:blip>
+          <a:stretch>
+            <a:fillRect/>
+          </a:stretch>
+        </p:blipFill>
+        <p:spPr>
+          <a:xfrm>
+            <a:off x="8254315" y="1825624"/>
+            <a:ext cx="3099486" cy="2584811"/>
+          </a:xfrm>
+          <a:prstGeom prst="rect">
+            <a:avLst/>
+          </a:prstGeom>
+        </p:spPr>
+      </p:pic>
+    </p:spTree>
+    <p:extLst>
+      <p:ext uri="{BB962C8B-B14F-4D97-AF65-F5344CB8AC3E}">
+        <p14:creationId xmlns:p14="http://schemas.microsoft.com/office/powerpoint/2010/main" val="1499757859"/>
+      </p:ext>
+    </p:extLst>
+  </p:cSld>
+  <p:clrMapOvr>
+    <a:masterClrMapping/>
+  </p:clrMapOvr>
+</p:sld>
+</file>
+
+<file path=ppt/slides/slide7.xml><?xml version="1.0" encoding="utf-8"?>
+<p:sld xmlns:a="http://schemas.openxmlformats.org/drawingml/2006/main" xmlns:r="http://schemas.openxmlformats.org/officeDocument/2006/relationships" xmlns:p="http://schemas.openxmlformats.org/presentationml/2006/main">
+  <p:cSld>
+    <p:spTree>
+      <p:nvGrpSpPr>
+        <p:cNvPr id="1" name=""/>
+        <p:cNvGrpSpPr/>
+        <p:nvPr/>
+      </p:nvGrpSpPr>
+      <p:grpSpPr>
+        <a:xfrm>
+          <a:off x="0" y="0"/>
+          <a:ext cx="0" cy="0"/>
+          <a:chOff x="0" y="0"/>
+          <a:chExt cx="0" cy="0"/>
+        </a:xfrm>
+      </p:grpSpPr>
+      <p:sp>
+        <p:nvSpPr>
+          <p:cNvPr id="2" name="Title 1"/>
+          <p:cNvSpPr>
+            <a:spLocks noGrp="1"/>
+          </p:cNvSpPr>
+          <p:nvPr>
+            <p:ph type="title"/>
+          </p:nvPr>
+        </p:nvSpPr>
+        <p:spPr/>
+        <p:txBody>
+          <a:bodyPr/>
+          <a:lstStyle/>
+          <a:p>
+            <a:r>
+              <a:rPr lang="en-GB" dirty="0" smtClean="0"/>
+              <a:t>Secure Software Development Lifecycle</a:t>
+            </a:r>
+            <a:endParaRPr lang="en-US" dirty="0"/>
+          </a:p>
+        </p:txBody>
+      </p:sp>
+      <p:sp>
+        <p:nvSpPr>
+          <p:cNvPr id="3" name="Content Placeholder 2"/>
+          <p:cNvSpPr>
+            <a:spLocks noGrp="1"/>
+          </p:cNvSpPr>
+          <p:nvPr>
+            <p:ph idx="1"/>
+          </p:nvPr>
+        </p:nvSpPr>
+        <p:spPr/>
+        <p:txBody>
+          <a:bodyPr/>
+          <a:lstStyle/>
+          <a:p>
+            <a:r>
+              <a:rPr lang="en-GB" dirty="0" smtClean="0"/>
+              <a:t>d</a:t>
+            </a:r>
+            <a:endParaRPr lang="en-US" dirty="0"/>
+          </a:p>
+        </p:txBody>
+      </p:sp>
+      <p:pic>
+        <p:nvPicPr>
+          <p:cNvPr id="5" name="Picture 4"/>
+          <p:cNvPicPr>
+            <a:picLocks noChangeAspect="1"/>
+          </p:cNvPicPr>
+          <p:nvPr/>
+        </p:nvPicPr>
+        <p:blipFill>
+          <a:blip r:embed="rId2">
+            <a:extLst>
+              <a:ext uri="{28A0092B-C50C-407E-A947-70E740481C1C}">
+                <a14:useLocalDpi xmlns:a14="http://schemas.microsoft.com/office/drawing/2010/main" val="0"/>
+              </a:ext>
+            </a:extLst>
+          </a:blip>
+          <a:stretch>
+            <a:fillRect/>
+          </a:stretch>
+        </p:blipFill>
+        <p:spPr>
+          <a:xfrm>
+            <a:off x="6029583" y="2215356"/>
+            <a:ext cx="4762500" cy="3571875"/>
+          </a:xfrm>
+          <a:prstGeom prst="rect">
+            <a:avLst/>
+          </a:prstGeom>
+        </p:spPr>
+      </p:pic>
+    </p:spTree>
+    <p:extLst>
+      <p:ext uri="{BB962C8B-B14F-4D97-AF65-F5344CB8AC3E}">
+        <p14:creationId xmlns:p14="http://schemas.microsoft.com/office/powerpoint/2010/main" val="4103590717"/>
       </p:ext>
     </p:extLst>
   </p:cSld>

--- a/9 - Audit af software.pptx
+++ b/9 - Audit af software.pptx
@@ -4744,8 +4744,8 @@
         </p:blipFill>
         <p:spPr>
           <a:xfrm>
-            <a:off x="6029583" y="2215356"/>
-            <a:ext cx="4762500" cy="3571875"/>
+            <a:off x="5552303" y="1825625"/>
+            <a:ext cx="5801497" cy="4351123"/>
           </a:xfrm>
           <a:prstGeom prst="rect">
             <a:avLst/>

--- a/9 - Audit af software.pptx
+++ b/9 - Audit af software.pptx
@@ -10,8 +10,9 @@
     <p:sldId id="262" r:id="rId4"/>
     <p:sldId id="263" r:id="rId5"/>
     <p:sldId id="265" r:id="rId6"/>
-    <p:sldId id="264" r:id="rId7"/>
-    <p:sldId id="266" r:id="rId8"/>
+    <p:sldId id="267" r:id="rId7"/>
+    <p:sldId id="264" r:id="rId8"/>
+    <p:sldId id="266" r:id="rId9"/>
   </p:sldIdLst>
   <p:sldSz cx="12192000" cy="6858000"/>
   <p:notesSz cx="6858000" cy="9144000"/>
@@ -249,7 +250,7 @@
           <a:p>
             <a:fld id="{2D7FE219-F25D-49CA-BAF6-41155C8B64D3}" type="datetimeFigureOut">
               <a:rPr lang="en-US" smtClean="0"/>
-              <a:t>10/25/2021</a:t>
+              <a:t>10/26/2021</a:t>
             </a:fld>
             <a:endParaRPr lang="en-US"/>
           </a:p>
@@ -419,7 +420,7 @@
           <a:p>
             <a:fld id="{2D7FE219-F25D-49CA-BAF6-41155C8B64D3}" type="datetimeFigureOut">
               <a:rPr lang="en-US" smtClean="0"/>
-              <a:t>10/25/2021</a:t>
+              <a:t>10/26/2021</a:t>
             </a:fld>
             <a:endParaRPr lang="en-US"/>
           </a:p>
@@ -599,7 +600,7 @@
           <a:p>
             <a:fld id="{2D7FE219-F25D-49CA-BAF6-41155C8B64D3}" type="datetimeFigureOut">
               <a:rPr lang="en-US" smtClean="0"/>
-              <a:t>10/25/2021</a:t>
+              <a:t>10/26/2021</a:t>
             </a:fld>
             <a:endParaRPr lang="en-US"/>
           </a:p>
@@ -769,7 +770,7 @@
           <a:p>
             <a:fld id="{2D7FE219-F25D-49CA-BAF6-41155C8B64D3}" type="datetimeFigureOut">
               <a:rPr lang="en-US" smtClean="0"/>
-              <a:t>10/25/2021</a:t>
+              <a:t>10/26/2021</a:t>
             </a:fld>
             <a:endParaRPr lang="en-US"/>
           </a:p>
@@ -1015,7 +1016,7 @@
           <a:p>
             <a:fld id="{2D7FE219-F25D-49CA-BAF6-41155C8B64D3}" type="datetimeFigureOut">
               <a:rPr lang="en-US" smtClean="0"/>
-              <a:t>10/25/2021</a:t>
+              <a:t>10/26/2021</a:t>
             </a:fld>
             <a:endParaRPr lang="en-US"/>
           </a:p>
@@ -1247,7 +1248,7 @@
           <a:p>
             <a:fld id="{2D7FE219-F25D-49CA-BAF6-41155C8B64D3}" type="datetimeFigureOut">
               <a:rPr lang="en-US" smtClean="0"/>
-              <a:t>10/25/2021</a:t>
+              <a:t>10/26/2021</a:t>
             </a:fld>
             <a:endParaRPr lang="en-US"/>
           </a:p>
@@ -1614,7 +1615,7 @@
           <a:p>
             <a:fld id="{2D7FE219-F25D-49CA-BAF6-41155C8B64D3}" type="datetimeFigureOut">
               <a:rPr lang="en-US" smtClean="0"/>
-              <a:t>10/25/2021</a:t>
+              <a:t>10/26/2021</a:t>
             </a:fld>
             <a:endParaRPr lang="en-US"/>
           </a:p>
@@ -1732,7 +1733,7 @@
           <a:p>
             <a:fld id="{2D7FE219-F25D-49CA-BAF6-41155C8B64D3}" type="datetimeFigureOut">
               <a:rPr lang="en-US" smtClean="0"/>
-              <a:t>10/25/2021</a:t>
+              <a:t>10/26/2021</a:t>
             </a:fld>
             <a:endParaRPr lang="en-US"/>
           </a:p>
@@ -1827,7 +1828,7 @@
           <a:p>
             <a:fld id="{2D7FE219-F25D-49CA-BAF6-41155C8B64D3}" type="datetimeFigureOut">
               <a:rPr lang="en-US" smtClean="0"/>
-              <a:t>10/25/2021</a:t>
+              <a:t>10/26/2021</a:t>
             </a:fld>
             <a:endParaRPr lang="en-US"/>
           </a:p>
@@ -2104,7 +2105,7 @@
           <a:p>
             <a:fld id="{2D7FE219-F25D-49CA-BAF6-41155C8B64D3}" type="datetimeFigureOut">
               <a:rPr lang="en-US" smtClean="0"/>
-              <a:t>10/25/2021</a:t>
+              <a:t>10/26/2021</a:t>
             </a:fld>
             <a:endParaRPr lang="en-US"/>
           </a:p>
@@ -2357,7 +2358,7 @@
           <a:p>
             <a:fld id="{2D7FE219-F25D-49CA-BAF6-41155C8B64D3}" type="datetimeFigureOut">
               <a:rPr lang="en-US" smtClean="0"/>
-              <a:t>10/25/2021</a:t>
+              <a:t>10/26/2021</a:t>
             </a:fld>
             <a:endParaRPr lang="en-US"/>
           </a:p>
@@ -2570,7 +2571,7 @@
           <a:p>
             <a:fld id="{2D7FE219-F25D-49CA-BAF6-41155C8B64D3}" type="datetimeFigureOut">
               <a:rPr lang="en-US" smtClean="0"/>
-              <a:t>10/25/2021</a:t>
+              <a:t>10/26/2021</a:t>
             </a:fld>
             <a:endParaRPr lang="en-US"/>
           </a:p>
@@ -3378,11 +3379,7 @@
             </a:r>
             <a:r>
               <a:rPr lang="en-GB" dirty="0" smtClean="0"/>
-              <a:t> </a:t>
-            </a:r>
-            <a:r>
-              <a:rPr lang="en-GB" dirty="0" smtClean="0"/>
-              <a:t>$1.2B</a:t>
+              <a:t> $1.2B</a:t>
             </a:r>
           </a:p>
           <a:p>
@@ -3888,7 +3885,6 @@
               <a:rPr lang="en-GB" dirty="0" smtClean="0"/>
               <a:t>Unpatched software</a:t>
             </a:r>
-            <a:endParaRPr lang="en-GB" dirty="0" smtClean="0"/>
           </a:p>
           <a:p>
             <a:pPr lvl="1"/>
@@ -4505,6 +4501,116 @@
           <a:lstStyle/>
           <a:p>
             <a:r>
+              <a:rPr lang="en-GB" dirty="0" err="1" smtClean="0">
+                <a:latin typeface="Bahnschrift Light" panose="020B0502040204020203" pitchFamily="34" charset="0"/>
+              </a:rPr>
+              <a:t>Gennemgang</a:t>
+            </a:r>
+            <a:r>
+              <a:rPr lang="en-GB" dirty="0" smtClean="0">
+                <a:latin typeface="Bahnschrift Light" panose="020B0502040204020203" pitchFamily="34" charset="0"/>
+              </a:rPr>
+              <a:t> </a:t>
+            </a:r>
+            <a:r>
+              <a:rPr lang="en-GB" dirty="0" err="1" smtClean="0">
+                <a:latin typeface="Bahnschrift Light" panose="020B0502040204020203" pitchFamily="34" charset="0"/>
+              </a:rPr>
+              <a:t>og</a:t>
+            </a:r>
+            <a:r>
+              <a:rPr lang="en-GB" dirty="0" smtClean="0">
+                <a:latin typeface="Bahnschrift Light" panose="020B0502040204020203" pitchFamily="34" charset="0"/>
+              </a:rPr>
+              <a:t> testing</a:t>
+            </a:r>
+            <a:endParaRPr lang="en-US" dirty="0">
+              <a:latin typeface="Bahnschrift Light" panose="020B0502040204020203" pitchFamily="34" charset="0"/>
+            </a:endParaRPr>
+          </a:p>
+        </p:txBody>
+      </p:sp>
+      <p:sp>
+        <p:nvSpPr>
+          <p:cNvPr id="3" name="Content Placeholder 2"/>
+          <p:cNvSpPr>
+            <a:spLocks noGrp="1"/>
+          </p:cNvSpPr>
+          <p:nvPr>
+            <p:ph idx="1"/>
+          </p:nvPr>
+        </p:nvSpPr>
+        <p:spPr/>
+        <p:txBody>
+          <a:bodyPr/>
+          <a:lstStyle/>
+          <a:p>
+            <a:r>
+              <a:rPr lang="en-GB" dirty="0" smtClean="0"/>
+              <a:t>Test-Driven Development</a:t>
+            </a:r>
+          </a:p>
+          <a:p>
+            <a:r>
+              <a:rPr lang="en-GB" dirty="0" smtClean="0"/>
+              <a:t>Audit VS Black Box</a:t>
+            </a:r>
+          </a:p>
+          <a:p>
+            <a:r>
+              <a:rPr lang="en-GB" dirty="0" smtClean="0"/>
+              <a:t>Fuzzing VS Code Reading</a:t>
+            </a:r>
+            <a:endParaRPr lang="en-US" dirty="0"/>
+          </a:p>
+        </p:txBody>
+      </p:sp>
+    </p:spTree>
+    <p:extLst>
+      <p:ext uri="{BB962C8B-B14F-4D97-AF65-F5344CB8AC3E}">
+        <p14:creationId xmlns:p14="http://schemas.microsoft.com/office/powerpoint/2010/main" val="2500321388"/>
+      </p:ext>
+    </p:extLst>
+  </p:cSld>
+  <p:clrMapOvr>
+    <a:masterClrMapping/>
+  </p:clrMapOvr>
+</p:sld>
+</file>
+
+<file path=ppt/slides/slide7.xml><?xml version="1.0" encoding="utf-8"?>
+<p:sld xmlns:a="http://schemas.openxmlformats.org/drawingml/2006/main" xmlns:r="http://schemas.openxmlformats.org/officeDocument/2006/relationships" xmlns:p="http://schemas.openxmlformats.org/presentationml/2006/main">
+  <p:cSld>
+    <p:spTree>
+      <p:nvGrpSpPr>
+        <p:cNvPr id="1" name=""/>
+        <p:cNvGrpSpPr/>
+        <p:nvPr/>
+      </p:nvGrpSpPr>
+      <p:grpSpPr>
+        <a:xfrm>
+          <a:off x="0" y="0"/>
+          <a:ext cx="0" cy="0"/>
+          <a:chOff x="0" y="0"/>
+          <a:chExt cx="0" cy="0"/>
+        </a:xfrm>
+      </p:grpSpPr>
+      <p:sp>
+        <p:nvSpPr>
+          <p:cNvPr id="2" name="Title 1"/>
+          <p:cNvSpPr>
+            <a:spLocks noGrp="1"/>
+          </p:cNvSpPr>
+          <p:nvPr>
+            <p:ph type="title"/>
+          </p:nvPr>
+        </p:nvSpPr>
+        <p:spPr/>
+        <p:txBody>
+          <a:bodyPr/>
+          <a:lstStyle/>
+          <a:p>
+            <a:r>
               <a:rPr lang="en-GB" dirty="0" smtClean="0">
                 <a:latin typeface="Bahnschrift Light" panose="020B0502040204020203" pitchFamily="34" charset="0"/>
               </a:rPr>
@@ -4592,27 +4698,6 @@
               <a:t>Dokumentation</a:t>
             </a:r>
             <a:endParaRPr lang="en-GB" dirty="0" smtClean="0"/>
-          </a:p>
-          <a:p>
-            <a:r>
-              <a:rPr lang="en-GB" dirty="0" err="1" smtClean="0"/>
-              <a:t>Det</a:t>
-            </a:r>
-            <a:r>
-              <a:rPr lang="en-GB" dirty="0" smtClean="0"/>
-              <a:t> </a:t>
-            </a:r>
-            <a:r>
-              <a:rPr lang="en-GB" dirty="0" err="1" smtClean="0"/>
-              <a:t>menneskelige</a:t>
-            </a:r>
-            <a:r>
-              <a:rPr lang="en-GB" dirty="0" smtClean="0"/>
-              <a:t> element</a:t>
-            </a:r>
-          </a:p>
-          <a:p>
-            <a:endParaRPr lang="en-US" dirty="0"/>
           </a:p>
         </p:txBody>
       </p:sp>
@@ -4659,7 +4744,7 @@
 </p:sld>
 </file>
 
-<file path=ppt/slides/slide7.xml><?xml version="1.0" encoding="utf-8"?>
+<file path=ppt/slides/slide8.xml><?xml version="1.0" encoding="utf-8"?>
 <p:sld xmlns:a="http://schemas.openxmlformats.org/drawingml/2006/main" xmlns:r="http://schemas.openxmlformats.org/officeDocument/2006/relationships" xmlns:p="http://schemas.openxmlformats.org/presentationml/2006/main">
   <p:cSld>
     <p:spTree>
@@ -4694,29 +4779,6 @@
             <a:r>
               <a:rPr lang="en-GB" dirty="0" smtClean="0"/>
               <a:t>Secure Software Development Lifecycle</a:t>
-            </a:r>
-            <a:endParaRPr lang="en-US" dirty="0"/>
-          </a:p>
-        </p:txBody>
-      </p:sp>
-      <p:sp>
-        <p:nvSpPr>
-          <p:cNvPr id="3" name="Content Placeholder 2"/>
-          <p:cNvSpPr>
-            <a:spLocks noGrp="1"/>
-          </p:cNvSpPr>
-          <p:nvPr>
-            <p:ph idx="1"/>
-          </p:nvPr>
-        </p:nvSpPr>
-        <p:spPr/>
-        <p:txBody>
-          <a:bodyPr/>
-          <a:lstStyle/>
-          <a:p>
-            <a:r>
-              <a:rPr lang="en-GB" dirty="0" smtClean="0"/>
-              <a:t>d</a:t>
             </a:r>
             <a:endParaRPr lang="en-US" dirty="0"/>
           </a:p>
@@ -4744,7 +4806,7 @@
         </p:blipFill>
         <p:spPr>
           <a:xfrm>
-            <a:off x="5552303" y="1825625"/>
+            <a:off x="2850293" y="1825625"/>
             <a:ext cx="5801497" cy="4351123"/>
           </a:xfrm>
           <a:prstGeom prst="rect">
